--- a/bccnpm.pptx
+++ b/bccnpm.pptx
@@ -154,7 +154,7 @@
   </p:defaultTextStyle>
   <p:extLst>
     <p:ext uri="{EFAFB233-063F-42B5-8137-9DF3F51BA10A}">
-      <p15:sldGuideLst xmlns="" xmlns:p15="http://schemas.microsoft.com/office/powerpoint/2012/main">
+      <p15:sldGuideLst xmlns:p15="http://schemas.microsoft.com/office/powerpoint/2012/main" xmlns="">
         <p15:guide id="1" orient="horz" pos="2160">
           <p15:clr>
             <a:srgbClr val="A4A3A4"/>
@@ -168,7 +168,7 @@
       </p15:sldGuideLst>
     </p:ext>
     <p:ext uri="{2D200454-40CA-4A62-9FC3-DE9A4176ACB9}">
-      <p15:notesGuideLst xmlns="" xmlns:p15="http://schemas.microsoft.com/office/powerpoint/2012/main"/>
+      <p15:notesGuideLst xmlns:p15="http://schemas.microsoft.com/office/powerpoint/2012/main" xmlns=""/>
     </p:ext>
   </p:extLst>
 </p:presentation>
@@ -2127,8 +2127,8 @@
     <dgm:cxn modelId="{00F2DCAD-EA6D-4ACE-90FD-24407C226B48}" type="presOf" srcId="{26777A11-F5DA-48BE-B2A4-94B734ED05AA}" destId="{EEC842E8-C683-47CD-A550-729430C96648}" srcOrd="0" destOrd="0" presId="urn:microsoft.com/office/officeart/2005/8/layout/hProcess9"/>
     <dgm:cxn modelId="{696B69A3-5B7F-4586-8327-94EFBD699FDF}" type="presOf" srcId="{F5625806-4CD2-45C8-BDC5-163AA4EA55D6}" destId="{D093ADA5-25C1-419A-A1B9-5E45D19CCB17}" srcOrd="0" destOrd="0" presId="urn:microsoft.com/office/officeart/2005/8/layout/hProcess9"/>
     <dgm:cxn modelId="{B6F0FF4B-1701-48B8-8161-1AFAEA613DE5}" srcId="{A27B186F-1E16-4FC9-A466-3465A2E187B3}" destId="{F5625806-4CD2-45C8-BDC5-163AA4EA55D6}" srcOrd="1" destOrd="0" parTransId="{797F8209-9408-4851-8848-D1FF92A41D01}" sibTransId="{998944C1-E6FA-4427-AC1B-B7AAC1EE82BB}"/>
+    <dgm:cxn modelId="{BD8653FF-9B6C-489A-BD8F-FAC5579BB6A4}" type="presOf" srcId="{A27B186F-1E16-4FC9-A466-3465A2E187B3}" destId="{475D9018-599F-4D50-A9FF-D7E40BDF8350}" srcOrd="0" destOrd="0" presId="urn:microsoft.com/office/officeart/2005/8/layout/hProcess9"/>
     <dgm:cxn modelId="{7937F93A-69AC-4B8B-92CD-F345CC2D353C}" type="presOf" srcId="{C4B6284F-FEF4-42FA-8902-9F2C98751948}" destId="{56C6FFBC-F282-4EE1-8785-228B30399940}" srcOrd="0" destOrd="0" presId="urn:microsoft.com/office/officeart/2005/8/layout/hProcess9"/>
-    <dgm:cxn modelId="{BD8653FF-9B6C-489A-BD8F-FAC5579BB6A4}" type="presOf" srcId="{A27B186F-1E16-4FC9-A466-3465A2E187B3}" destId="{475D9018-599F-4D50-A9FF-D7E40BDF8350}" srcOrd="0" destOrd="0" presId="urn:microsoft.com/office/officeart/2005/8/layout/hProcess9"/>
     <dgm:cxn modelId="{AF98850C-7299-4869-9D28-A5EBDB677307}" srcId="{A27B186F-1E16-4FC9-A466-3465A2E187B3}" destId="{26777A11-F5DA-48BE-B2A4-94B734ED05AA}" srcOrd="3" destOrd="0" parTransId="{77CAF66C-2C62-4EE9-9DCB-D513AD74D8B6}" sibTransId="{CDD69FAC-F8E8-4A21-8422-4EC85CC46C3E}"/>
     <dgm:cxn modelId="{4DAF921A-7F85-4E87-A508-E82BC5568093}" type="presOf" srcId="{5B8B3F65-8A9E-4C8C-A7EB-3CE7773AFE05}" destId="{2A1F3BBB-9366-40A6-B0B1-80486DAFD65C}" srcOrd="0" destOrd="0" presId="urn:microsoft.com/office/officeart/2005/8/layout/hProcess9"/>
     <dgm:cxn modelId="{97608A48-F977-4260-8677-46F15D0E6F9D}" type="presParOf" srcId="{475D9018-599F-4D50-A9FF-D7E40BDF8350}" destId="{FDEAB1E6-DEB4-48D8-BFC6-B86C15529A99}" srcOrd="0" destOrd="0" presId="urn:microsoft.com/office/officeart/2005/8/layout/hProcess9"/>
@@ -19226,7 +19226,7 @@
         </p:nvGraphicFramePr>
         <p:xfrm>
           <a:off x="1207476" y="2539491"/>
-          <a:ext cx="6641856" cy="1313955"/>
+          <a:ext cx="6641856" cy="1347800"/>
         </p:xfrm>
         <a:graphic>
           <a:graphicData uri="http://schemas.openxmlformats.org/drawingml/2006/table">
@@ -23641,17 +23641,7 @@
                 <a:latin typeface="Arial" pitchFamily="34" charset="0"/>
                 <a:cs typeface="Arial" pitchFamily="34" charset="0"/>
               </a:rPr>
-              <a:t>h</a:t>
-            </a:r>
-            <a:r>
-              <a:rPr lang="en-US" b="0" dirty="0" err="1" smtClean="0">
-                <a:solidFill>
-                  <a:srgbClr val="002060"/>
-                </a:solidFill>
-                <a:latin typeface="Arial" pitchFamily="34" charset="0"/>
-                <a:cs typeface="Arial" pitchFamily="34" charset="0"/>
-              </a:rPr>
-              <a:t>ình</a:t>
+              <a:t>hình</a:t>
             </a:r>
             <a:r>
               <a:rPr lang="en-US" b="0" dirty="0" smtClean="0">
@@ -27468,7 +27458,7 @@
         </p:nvGraphicFramePr>
         <p:xfrm>
           <a:off x="1207476" y="2539491"/>
-          <a:ext cx="6641856" cy="2903159"/>
+          <a:ext cx="6641856" cy="2937004"/>
         </p:xfrm>
         <a:graphic>
           <a:graphicData uri="http://schemas.openxmlformats.org/drawingml/2006/table">
@@ -31504,7 +31494,7 @@
   </a:extraClrSchemeLst>
   <a:extLst>
     <a:ext uri="{05A4C25C-085E-4340-85A3-A5531E510DB2}">
-      <thm15:themeFamily xmlns="" xmlns:thm15="http://schemas.microsoft.com/office/thememl/2012/main" name="437TGp_bizpeople_light_ani.potx" id="{870B78CC-C51F-4F72-A2B7-EB1603421C68}" vid="{78562A31-EBF0-4B17-A42A-BEE103937982}"/>
+      <thm15:themeFamily xmlns:thm15="http://schemas.microsoft.com/office/thememl/2012/main" xmlns="" name="437TGp_bizpeople_light_ani.potx" id="{870B78CC-C51F-4F72-A2B7-EB1603421C68}" vid="{78562A31-EBF0-4B17-A42A-BEE103937982}"/>
     </a:ext>
   </a:extLst>
 </a:theme>

--- a/bccnpm.pptx
+++ b/bccnpm.pptx
@@ -154,7 +154,7 @@
   </p:defaultTextStyle>
   <p:extLst>
     <p:ext uri="{EFAFB233-063F-42B5-8137-9DF3F51BA10A}">
-      <p15:sldGuideLst xmlns:p15="http://schemas.microsoft.com/office/powerpoint/2012/main" xmlns="">
+      <p15:sldGuideLst xmlns="" xmlns:p15="http://schemas.microsoft.com/office/powerpoint/2012/main">
         <p15:guide id="1" orient="horz" pos="2160">
           <p15:clr>
             <a:srgbClr val="A4A3A4"/>
@@ -168,7 +168,7 @@
       </p15:sldGuideLst>
     </p:ext>
     <p:ext uri="{2D200454-40CA-4A62-9FC3-DE9A4176ACB9}">
-      <p15:notesGuideLst xmlns:p15="http://schemas.microsoft.com/office/powerpoint/2012/main" xmlns=""/>
+      <p15:notesGuideLst xmlns="" xmlns:p15="http://schemas.microsoft.com/office/powerpoint/2012/main"/>
     </p:ext>
   </p:extLst>
 </p:presentation>
@@ -31494,7 +31494,7 @@
   </a:extraClrSchemeLst>
   <a:extLst>
     <a:ext uri="{05A4C25C-085E-4340-85A3-A5531E510DB2}">
-      <thm15:themeFamily xmlns:thm15="http://schemas.microsoft.com/office/thememl/2012/main" xmlns="" name="437TGp_bizpeople_light_ani.potx" id="{870B78CC-C51F-4F72-A2B7-EB1603421C68}" vid="{78562A31-EBF0-4B17-A42A-BEE103937982}"/>
+      <thm15:themeFamily xmlns="" xmlns:thm15="http://schemas.microsoft.com/office/thememl/2012/main" name="437TGp_bizpeople_light_ani.potx" id="{870B78CC-C51F-4F72-A2B7-EB1603421C68}" vid="{78562A31-EBF0-4B17-A42A-BEE103937982}"/>
     </a:ext>
   </a:extLst>
 </a:theme>
